--- a/Tutorial 1 - R Markdown/RMarkdownPPT.pptx
+++ b/Tutorial 1 - R Markdown/RMarkdownPPT.pptx
@@ -3305,6 +3305,15 @@
             <a:r>
               <a:rPr/>
               <a:t> button a document will be generated that includes both content as well as the output of any embedded R code chunks within the document.</a:t>
+            </a:r>
+          </a:p>
+          <a:p>
+            <a:pPr lvl="0" marL="0" indent="0">
+              <a:buNone/>
+            </a:pPr>
+            <a:r>
+              <a:rPr/>
+              <a:t>Test PPT PPT PPT</a:t>
             </a:r>
           </a:p>
         </p:txBody>
